--- a/_files/requirements/MOSIP_ScopeMap_v3.8 (1).pptx
+++ b/_files/requirements/MOSIP_ScopeMap_v3.8 (1).pptx
@@ -204,7 +204,7 @@
           <a:p>
             <a:fld id="{2C1CDA96-1F4A-469D-B9DF-CB309FBC8002}" type="datetimeFigureOut">
               <a:rPr lang="en-US" smtClean="0"/>
-              <a:t>7/4/2018</a:t>
+              <a:t>7/23/2019</a:t>
             </a:fld>
             <a:endParaRPr lang="en-US"/>
           </a:p>
@@ -8734,7 +8734,7 @@
           <a:p>
             <a:fld id="{20ADC9E2-FE46-4747-98D4-A906AB27C2BA}" type="datetimeFigureOut">
               <a:rPr lang="en-US" smtClean="0"/>
-              <a:t>7/4/2018</a:t>
+              <a:t>7/23/2019</a:t>
             </a:fld>
             <a:endParaRPr lang="en-US"/>
           </a:p>
@@ -10281,15 +10281,22 @@
               <a:p>
                 <a:pPr marL="228584"/>
                 <a:r>
-                  <a:rPr lang="en-US" sz="1200" kern="0" dirty="0">
+                  <a:rPr lang="en-US" sz="1200" kern="0">
                     <a:solidFill>
                       <a:prstClr val="white"/>
                     </a:solidFill>
                     <a:latin typeface="Segoe UI Light" panose="020B0502040204020203" pitchFamily="34" charset="0"/>
                     <a:cs typeface="Segoe UI Light" panose="020B0502040204020203" pitchFamily="34" charset="0"/>
                   </a:rPr>
-                  <a:t>Pre-Enrolment</a:t>
+                  <a:t>Pre-Enrolment </a:t>
                 </a:r>
+                <a:endParaRPr lang="en-US" sz="1200" kern="0" dirty="0">
+                  <a:solidFill>
+                    <a:prstClr val="white"/>
+                  </a:solidFill>
+                  <a:latin typeface="Segoe UI Light" panose="020B0502040204020203" pitchFamily="34" charset="0"/>
+                  <a:cs typeface="Segoe UI Light" panose="020B0502040204020203" pitchFamily="34" charset="0"/>
+                </a:endParaRPr>
               </a:p>
             </p:txBody>
           </p:sp>
@@ -37408,6 +37415,41 @@
 </file>
 
 <file path=customXml/item1.xml><?xml version="1.0" encoding="utf-8"?>
+<p:properties xmlns:p="http://schemas.microsoft.com/office/2006/metadata/properties" xmlns:xsi="http://www.w3.org/2001/XMLSchema-instance" xmlns:pc="http://schemas.microsoft.com/office/infopath/2007/PartnerControls">
+  <documentManagement>
+    <ProjectIGName xmlns="fd9ad297-cc8c-4afc-b828-e13c9647a5fa">Mindtree</ProjectIGName>
+    <ProjectAccountName xmlns="fd9ad297-cc8c-4afc-b828-e13c9647a5fa">Mindtree</ProjectAccountName>
+    <ProjectName xmlns="fd9ad297-cc8c-4afc-b828-e13c9647a5fa">MOSIP</ProjectName>
+    <LikesCount xmlns="http://schemas.microsoft.com/sharepoint/v3" xsi:nil="true"/>
+    <Ratings xmlns="http://schemas.microsoft.com/sharepoint/v3" xsi:nil="true"/>
+    <LikedBy xmlns="http://schemas.microsoft.com/sharepoint/v3">
+      <UserInfo>
+        <DisplayName/>
+        <AccountId xsi:nil="true"/>
+        <AccountType/>
+      </UserInfo>
+    </LikedBy>
+    <RatedBy xmlns="http://schemas.microsoft.com/sharepoint/v3">
+      <UserInfo>
+        <DisplayName/>
+        <AccountId xsi:nil="true"/>
+        <AccountType/>
+      </UserInfo>
+    </RatedBy>
+  </documentManagement>
+</p:properties>
+</file>
+
+<file path=customXml/item2.xml><?xml version="1.0" encoding="utf-8"?>
+<?mso-contentType ?>
+<FormTemplates xmlns="http://schemas.microsoft.com/sharepoint/v3/contenttype/forms">
+  <Display>DocumentLibraryForm</Display>
+  <Edit>DocumentLibraryForm</Edit>
+  <New>DocumentLibraryForm</New>
+</FormTemplates>
+</file>
+
+<file path=customXml/item3.xml><?xml version="1.0" encoding="utf-8"?>
 <ct:contentTypeSchema xmlns:ct="http://schemas.microsoft.com/office/2006/metadata/contentType" xmlns:ma="http://schemas.microsoft.com/office/2006/metadata/properties/metaAttributes" ct:_="" ma:_="" ma:contentTypeName="CTDocLibrary" ma:contentTypeID="0x010100C5D5EC2DEF914E3897774E287F80A8FB00C54CAAC0C88AA446A5AFE942C68BA98B" ma:contentTypeVersion="8" ma:contentTypeDescription="My Content Type" ma:contentTypeScope="" ma:versionID="8509de5a9a506e3b9b1fe93a7c193cee">
   <xsd:schema xmlns:xsd="http://www.w3.org/2001/XMLSchema" xmlns:xs="http://www.w3.org/2001/XMLSchema" xmlns:p="http://schemas.microsoft.com/office/2006/metadata/properties" xmlns:ns1="http://schemas.microsoft.com/sharepoint/v3" xmlns:ns2="fd9ad297-cc8c-4afc-b828-e13c9647a5fa" targetNamespace="http://schemas.microsoft.com/office/2006/metadata/properties" ma:root="true" ma:fieldsID="b380538c208c9f76b13ef3dbebc9c2d9" ns1:_="" ns2:_="">
     <xsd:import namespace="http://schemas.microsoft.com/sharepoint/v3"/>
@@ -37614,49 +37656,40 @@
 </ct:contentTypeSchema>
 </file>
 
-<file path=customXml/item2.xml><?xml version="1.0" encoding="utf-8"?>
-<?mso-contentType ?>
-<FormTemplates xmlns="http://schemas.microsoft.com/sharepoint/v3/contenttype/forms">
-  <Display>DocumentLibraryForm</Display>
-  <Edit>DocumentLibraryForm</Edit>
-  <New>DocumentLibraryForm</New>
-</FormTemplates>
-</file>
-
-<file path=customXml/item3.xml><?xml version="1.0" encoding="utf-8"?>
-<p:properties xmlns:p="http://schemas.microsoft.com/office/2006/metadata/properties" xmlns:xsi="http://www.w3.org/2001/XMLSchema-instance" xmlns:pc="http://schemas.microsoft.com/office/infopath/2007/PartnerControls">
-  <documentManagement>
-    <ProjectIGName xmlns="fd9ad297-cc8c-4afc-b828-e13c9647a5fa">Mindtree</ProjectIGName>
-    <ProjectAccountName xmlns="fd9ad297-cc8c-4afc-b828-e13c9647a5fa">Mindtree</ProjectAccountName>
-    <ProjectName xmlns="fd9ad297-cc8c-4afc-b828-e13c9647a5fa">MOSIP</ProjectName>
-    <LikesCount xmlns="http://schemas.microsoft.com/sharepoint/v3" xsi:nil="true"/>
-    <Ratings xmlns="http://schemas.microsoft.com/sharepoint/v3" xsi:nil="true"/>
-    <LikedBy xmlns="http://schemas.microsoft.com/sharepoint/v3">
-      <UserInfo>
-        <DisplayName/>
-        <AccountId xsi:nil="true"/>
-        <AccountType/>
-      </UserInfo>
-    </LikedBy>
-    <RatedBy xmlns="http://schemas.microsoft.com/sharepoint/v3">
-      <UserInfo>
-        <DisplayName/>
-        <AccountId xsi:nil="true"/>
-        <AccountType/>
-      </UserInfo>
-    </RatedBy>
-  </documentManagement>
-</p:properties>
-</file>
-
 <file path=customXml/itemProps1.xml><?xml version="1.0" encoding="utf-8"?>
-<ds:datastoreItem xmlns:ds="http://schemas.openxmlformats.org/officeDocument/2006/customXml" ds:itemID="{FF5ABD77-BB66-4CF4-9B48-012A51BFCD7F}"/>
+<ds:datastoreItem xmlns:ds="http://schemas.openxmlformats.org/officeDocument/2006/customXml" ds:itemID="{6DDA5020-FFE7-4D0C-B7FE-6B23CE7A3C09}">
+  <ds:schemaRefs>
+    <ds:schemaRef ds:uri="http://schemas.microsoft.com/office/2006/metadata/properties"/>
+    <ds:schemaRef ds:uri="http://schemas.microsoft.com/office/infopath/2007/PartnerControls"/>
+    <ds:schemaRef ds:uri="fd9ad297-cc8c-4afc-b828-e13c9647a5fa"/>
+    <ds:schemaRef ds:uri="http://schemas.microsoft.com/sharepoint/v3"/>
+  </ds:schemaRefs>
+</ds:datastoreItem>
 </file>
 
 <file path=customXml/itemProps2.xml><?xml version="1.0" encoding="utf-8"?>
-<ds:datastoreItem xmlns:ds="http://schemas.openxmlformats.org/officeDocument/2006/customXml" ds:itemID="{84665A87-9A48-41AE-A7DD-AF4637C1DC00}"/>
+<ds:datastoreItem xmlns:ds="http://schemas.openxmlformats.org/officeDocument/2006/customXml" ds:itemID="{84665A87-9A48-41AE-A7DD-AF4637C1DC00}">
+  <ds:schemaRefs>
+    <ds:schemaRef ds:uri="http://schemas.microsoft.com/sharepoint/v3/contenttype/forms"/>
+  </ds:schemaRefs>
+</ds:datastoreItem>
 </file>
 
 <file path=customXml/itemProps3.xml><?xml version="1.0" encoding="utf-8"?>
-<ds:datastoreItem xmlns:ds="http://schemas.openxmlformats.org/officeDocument/2006/customXml" ds:itemID="{6DDA5020-FFE7-4D0C-B7FE-6B23CE7A3C09}"/>
+<ds:datastoreItem xmlns:ds="http://schemas.openxmlformats.org/officeDocument/2006/customXml" ds:itemID="{FF5ABD77-BB66-4CF4-9B48-012A51BFCD7F}">
+  <ds:schemaRefs>
+    <ds:schemaRef ds:uri="http://schemas.microsoft.com/office/2006/metadata/contentType"/>
+    <ds:schemaRef ds:uri="http://schemas.microsoft.com/office/2006/metadata/properties/metaAttributes"/>
+    <ds:schemaRef ds:uri="http://www.w3.org/2001/XMLSchema"/>
+    <ds:schemaRef ds:uri="http://schemas.microsoft.com/office/2006/metadata/properties"/>
+    <ds:schemaRef ds:uri="http://schemas.microsoft.com/sharepoint/v3"/>
+    <ds:schemaRef ds:uri="fd9ad297-cc8c-4afc-b828-e13c9647a5fa"/>
+    <ds:schemaRef ds:uri="http://schemas.microsoft.com/office/2006/documentManagement/types"/>
+    <ds:schemaRef ds:uri="http://schemas.microsoft.com/office/infopath/2007/PartnerControls"/>
+    <ds:schemaRef ds:uri="http://schemas.openxmlformats.org/package/2006/metadata/core-properties"/>
+    <ds:schemaRef ds:uri="http://purl.org/dc/elements/1.1/"/>
+    <ds:schemaRef ds:uri="http://purl.org/dc/terms/"/>
+    <ds:schemaRef ds:uri="http://schemas.microsoft.com/internal/obd"/>
+  </ds:schemaRefs>
+</ds:datastoreItem>
 </file>